--- a/DSC530 Final Project.pptx
+++ b/DSC530 Final Project.pptx
@@ -16,6 +16,9 @@
     <p:sldId id="263" r:id="rId10"/>
     <p:sldId id="264" r:id="rId11"/>
     <p:sldId id="266" r:id="rId12"/>
+    <p:sldId id="268" r:id="rId13"/>
+    <p:sldId id="269" r:id="rId14"/>
+    <p:sldId id="270" r:id="rId15"/>
   </p:sldIdLst>
   <p:sldSz cx="12192000" cy="6858000"/>
   <p:notesSz cx="6858000" cy="9144000"/>
@@ -114,532 +117,20 @@
       </a:defRPr>
     </a:lvl9pPr>
   </p:defaultTextStyle>
+  <p:extLst>
+    <p:ext uri="{EFAFB233-063F-42B5-8137-9DF3F51BA10A}">
+      <p15:sldGuideLst xmlns:p15="http://schemas.microsoft.com/office/powerpoint/2012/main"/>
+    </p:ext>
+  </p:extLst>
 </p:presentation>
 </file>
 
 <file path=ppt/revisionInfo.xml><?xml version="1.0" encoding="utf-8"?>
 <p1510:revInfo xmlns:a="http://schemas.openxmlformats.org/drawingml/2006/main" xmlns:r="http://schemas.openxmlformats.org/officeDocument/2006/relationships" xmlns:p1510="http://schemas.microsoft.com/office/powerpoint/2015/10/main">
   <p1510:revLst>
-    <p1510:client id="{A9A20CDC-52DA-4182-A31E-A6C52A97EE9B}" v="18" dt="2020-08-04T03:11:14.540"/>
+    <p1510:client id="{A9A20CDC-52DA-4182-A31E-A6C52A97EE9B}" v="25" dt="2020-08-05T02:23:39.874"/>
   </p1510:revLst>
 </p1510:revInfo>
-</file>
-
-<file path=ppt/changesInfos/changesInfo1.xml><?xml version="1.0" encoding="utf-8"?>
-<pc:chgInfo xmlns:a="http://schemas.openxmlformats.org/drawingml/2006/main" xmlns:r="http://schemas.openxmlformats.org/officeDocument/2006/relationships" xmlns:ac="http://schemas.microsoft.com/office/drawing/2013/main/command" xmlns:pc="http://schemas.microsoft.com/office/powerpoint/2013/main/command">
-  <pc:docChgLst>
-    <pc:chgData name="cody myers" userId="a0af1f621f91f4af" providerId="LiveId" clId="{A9A20CDC-52DA-4182-A31E-A6C52A97EE9B}"/>
-    <pc:docChg chg="undo custSel mod addSld delSld modSld">
-      <pc:chgData name="cody myers" userId="a0af1f621f91f4af" providerId="LiveId" clId="{A9A20CDC-52DA-4182-A31E-A6C52A97EE9B}" dt="2020-08-04T03:24:36.559" v="694" actId="20577"/>
-      <pc:docMkLst>
-        <pc:docMk/>
-      </pc:docMkLst>
-      <pc:sldChg chg="addSp delSp modSp del mod">
-        <pc:chgData name="cody myers" userId="a0af1f621f91f4af" providerId="LiveId" clId="{A9A20CDC-52DA-4182-A31E-A6C52A97EE9B}" dt="2020-08-04T02:35:10.062" v="110" actId="2696"/>
-        <pc:sldMkLst>
-          <pc:docMk/>
-          <pc:sldMk cId="1995450205" sldId="259"/>
-        </pc:sldMkLst>
-        <pc:spChg chg="mod">
-          <ac:chgData name="cody myers" userId="a0af1f621f91f4af" providerId="LiveId" clId="{A9A20CDC-52DA-4182-A31E-A6C52A97EE9B}" dt="2020-08-04T02:34:35.174" v="106" actId="20577"/>
-          <ac:spMkLst>
-            <pc:docMk/>
-            <pc:sldMk cId="1995450205" sldId="259"/>
-            <ac:spMk id="2" creationId="{54FB59C6-54E7-49AF-82FB-9113DC971B14}"/>
-          </ac:spMkLst>
-        </pc:spChg>
-        <pc:spChg chg="del">
-          <ac:chgData name="cody myers" userId="a0af1f621f91f4af" providerId="LiveId" clId="{A9A20CDC-52DA-4182-A31E-A6C52A97EE9B}" dt="2020-08-04T02:32:48.736" v="34" actId="931"/>
-          <ac:spMkLst>
-            <pc:docMk/>
-            <pc:sldMk cId="1995450205" sldId="259"/>
-            <ac:spMk id="3" creationId="{35E97E3A-B9C8-4FD9-97EE-283DC279D85D}"/>
-          </ac:spMkLst>
-        </pc:spChg>
-        <pc:picChg chg="add mod">
-          <ac:chgData name="cody myers" userId="a0af1f621f91f4af" providerId="LiveId" clId="{A9A20CDC-52DA-4182-A31E-A6C52A97EE9B}" dt="2020-08-04T02:32:50.419" v="36" actId="962"/>
-          <ac:picMkLst>
-            <pc:docMk/>
-            <pc:sldMk cId="1995450205" sldId="259"/>
-            <ac:picMk id="5" creationId="{C5627D51-0053-42DF-828B-56B9C5F145EB}"/>
-          </ac:picMkLst>
-        </pc:picChg>
-      </pc:sldChg>
-      <pc:sldChg chg="addSp delSp modSp new mod modClrScheme chgLayout">
-        <pc:chgData name="cody myers" userId="a0af1f621f91f4af" providerId="LiveId" clId="{A9A20CDC-52DA-4182-A31E-A6C52A97EE9B}" dt="2020-08-04T03:09:22.215" v="654" actId="962"/>
-        <pc:sldMkLst>
-          <pc:docMk/>
-          <pc:sldMk cId="4032347692" sldId="260"/>
-        </pc:sldMkLst>
-        <pc:spChg chg="mod ord">
-          <ac:chgData name="cody myers" userId="a0af1f621f91f4af" providerId="LiveId" clId="{A9A20CDC-52DA-4182-A31E-A6C52A97EE9B}" dt="2020-08-04T03:09:18.011" v="651" actId="700"/>
-          <ac:spMkLst>
-            <pc:docMk/>
-            <pc:sldMk cId="4032347692" sldId="260"/>
-            <ac:spMk id="2" creationId="{5F431B2B-23FC-460F-AB06-F320AFBEA08A}"/>
-          </ac:spMkLst>
-        </pc:spChg>
-        <pc:spChg chg="del">
-          <ac:chgData name="cody myers" userId="a0af1f621f91f4af" providerId="LiveId" clId="{A9A20CDC-52DA-4182-A31E-A6C52A97EE9B}" dt="2020-08-04T02:33:26.371" v="53" actId="931"/>
-          <ac:spMkLst>
-            <pc:docMk/>
-            <pc:sldMk cId="4032347692" sldId="260"/>
-            <ac:spMk id="3" creationId="{76C71842-843C-4D7F-A1C8-C94761C11A1F}"/>
-          </ac:spMkLst>
-        </pc:spChg>
-        <pc:spChg chg="add del mod ord">
-          <ac:chgData name="cody myers" userId="a0af1f621f91f4af" providerId="LiveId" clId="{A9A20CDC-52DA-4182-A31E-A6C52A97EE9B}" dt="2020-08-04T02:35:25.586" v="114"/>
-          <ac:spMkLst>
-            <pc:docMk/>
-            <pc:sldMk cId="4032347692" sldId="260"/>
-            <ac:spMk id="6" creationId="{A17FDA41-1475-4634-B2B0-7CDE0F19B005}"/>
-          </ac:spMkLst>
-        </pc:spChg>
-        <pc:spChg chg="add del mod ord">
-          <ac:chgData name="cody myers" userId="a0af1f621f91f4af" providerId="LiveId" clId="{A9A20CDC-52DA-4182-A31E-A6C52A97EE9B}" dt="2020-08-04T02:49:52.738" v="157" actId="700"/>
-          <ac:spMkLst>
-            <pc:docMk/>
-            <pc:sldMk cId="4032347692" sldId="260"/>
-            <ac:spMk id="9" creationId="{9CE79782-116C-4C42-A8F6-39455A35A0AB}"/>
-          </ac:spMkLst>
-        </pc:spChg>
-        <pc:spChg chg="add del mod ord">
-          <ac:chgData name="cody myers" userId="a0af1f621f91f4af" providerId="LiveId" clId="{A9A20CDC-52DA-4182-A31E-A6C52A97EE9B}" dt="2020-08-04T03:09:20.871" v="652" actId="931"/>
-          <ac:spMkLst>
-            <pc:docMk/>
-            <pc:sldMk cId="4032347692" sldId="260"/>
-            <ac:spMk id="10" creationId="{74FC461F-3188-42C3-B4AA-0724C9613A61}"/>
-          </ac:spMkLst>
-        </pc:spChg>
-        <pc:picChg chg="add del mod ord">
-          <ac:chgData name="cody myers" userId="a0af1f621f91f4af" providerId="LiveId" clId="{A9A20CDC-52DA-4182-A31E-A6C52A97EE9B}" dt="2020-08-04T02:35:27.842" v="115" actId="478"/>
-          <ac:picMkLst>
-            <pc:docMk/>
-            <pc:sldMk cId="4032347692" sldId="260"/>
-            <ac:picMk id="5" creationId="{24F8BB56-2D10-43CC-9B42-C629E48F30C5}"/>
-          </ac:picMkLst>
-        </pc:picChg>
-        <pc:picChg chg="add mod ord">
-          <ac:chgData name="cody myers" userId="a0af1f621f91f4af" providerId="LiveId" clId="{A9A20CDC-52DA-4182-A31E-A6C52A97EE9B}" dt="2020-08-04T03:09:18.011" v="651" actId="700"/>
-          <ac:picMkLst>
-            <pc:docMk/>
-            <pc:sldMk cId="4032347692" sldId="260"/>
-            <ac:picMk id="7" creationId="{6120CEBC-CD6C-4942-9F29-D3E5B00EFC76}"/>
-          </ac:picMkLst>
-        </pc:picChg>
-        <pc:picChg chg="add mod">
-          <ac:chgData name="cody myers" userId="a0af1f621f91f4af" providerId="LiveId" clId="{A9A20CDC-52DA-4182-A31E-A6C52A97EE9B}" dt="2020-08-04T03:09:22.215" v="654" actId="962"/>
-          <ac:picMkLst>
-            <pc:docMk/>
-            <pc:sldMk cId="4032347692" sldId="260"/>
-            <ac:picMk id="12" creationId="{560D2276-2234-42AB-ABE8-0D015C0C4DAB}"/>
-          </ac:picMkLst>
-        </pc:picChg>
-      </pc:sldChg>
-      <pc:sldChg chg="addSp delSp modSp new mod modClrScheme chgLayout">
-        <pc:chgData name="cody myers" userId="a0af1f621f91f4af" providerId="LiveId" clId="{A9A20CDC-52DA-4182-A31E-A6C52A97EE9B}" dt="2020-08-04T03:09:47.714" v="658" actId="962"/>
-        <pc:sldMkLst>
-          <pc:docMk/>
-          <pc:sldMk cId="3489574381" sldId="261"/>
-        </pc:sldMkLst>
-        <pc:spChg chg="mod ord">
-          <ac:chgData name="cody myers" userId="a0af1f621f91f4af" providerId="LiveId" clId="{A9A20CDC-52DA-4182-A31E-A6C52A97EE9B}" dt="2020-08-04T03:09:27.368" v="655" actId="700"/>
-          <ac:spMkLst>
-            <pc:docMk/>
-            <pc:sldMk cId="3489574381" sldId="261"/>
-            <ac:spMk id="2" creationId="{C53828B0-C7B5-40C1-A325-00CA24CD6523}"/>
-          </ac:spMkLst>
-        </pc:spChg>
-        <pc:spChg chg="del">
-          <ac:chgData name="cody myers" userId="a0af1f621f91f4af" providerId="LiveId" clId="{A9A20CDC-52DA-4182-A31E-A6C52A97EE9B}" dt="2020-08-04T02:33:36.399" v="56" actId="931"/>
-          <ac:spMkLst>
-            <pc:docMk/>
-            <pc:sldMk cId="3489574381" sldId="261"/>
-            <ac:spMk id="3" creationId="{B23048B2-8610-4DE3-920C-6D6BD6022669}"/>
-          </ac:spMkLst>
-        </pc:spChg>
-        <pc:spChg chg="add del mod ord">
-          <ac:chgData name="cody myers" userId="a0af1f621f91f4af" providerId="LiveId" clId="{A9A20CDC-52DA-4182-A31E-A6C52A97EE9B}" dt="2020-08-04T02:35:37.260" v="117"/>
-          <ac:spMkLst>
-            <pc:docMk/>
-            <pc:sldMk cId="3489574381" sldId="261"/>
-            <ac:spMk id="6" creationId="{F496059F-AF77-412D-A2C8-6D282A666FB8}"/>
-          </ac:spMkLst>
-        </pc:spChg>
-        <pc:spChg chg="add del mod ord">
-          <ac:chgData name="cody myers" userId="a0af1f621f91f4af" providerId="LiveId" clId="{A9A20CDC-52DA-4182-A31E-A6C52A97EE9B}" dt="2020-08-04T02:49:59.079" v="158" actId="700"/>
-          <ac:spMkLst>
-            <pc:docMk/>
-            <pc:sldMk cId="3489574381" sldId="261"/>
-            <ac:spMk id="9" creationId="{A4A6EC39-36B2-4D08-B832-E014E97A43A5}"/>
-          </ac:spMkLst>
-        </pc:spChg>
-        <pc:spChg chg="add del mod ord">
-          <ac:chgData name="cody myers" userId="a0af1f621f91f4af" providerId="LiveId" clId="{A9A20CDC-52DA-4182-A31E-A6C52A97EE9B}" dt="2020-08-04T03:09:46.204" v="656" actId="931"/>
-          <ac:spMkLst>
-            <pc:docMk/>
-            <pc:sldMk cId="3489574381" sldId="261"/>
-            <ac:spMk id="10" creationId="{169B7730-4E06-4DC4-A007-CB5886987880}"/>
-          </ac:spMkLst>
-        </pc:spChg>
-        <pc:picChg chg="add del mod ord">
-          <ac:chgData name="cody myers" userId="a0af1f621f91f4af" providerId="LiveId" clId="{A9A20CDC-52DA-4182-A31E-A6C52A97EE9B}" dt="2020-08-04T02:35:38.744" v="118" actId="478"/>
-          <ac:picMkLst>
-            <pc:docMk/>
-            <pc:sldMk cId="3489574381" sldId="261"/>
-            <ac:picMk id="5" creationId="{FFBCC4D5-3177-4FCC-B1BB-D31E6D35EDF5}"/>
-          </ac:picMkLst>
-        </pc:picChg>
-        <pc:picChg chg="add mod ord">
-          <ac:chgData name="cody myers" userId="a0af1f621f91f4af" providerId="LiveId" clId="{A9A20CDC-52DA-4182-A31E-A6C52A97EE9B}" dt="2020-08-04T03:09:27.368" v="655" actId="700"/>
-          <ac:picMkLst>
-            <pc:docMk/>
-            <pc:sldMk cId="3489574381" sldId="261"/>
-            <ac:picMk id="7" creationId="{9DEA7375-C294-4B5B-8F8C-44EA40C998AC}"/>
-          </ac:picMkLst>
-        </pc:picChg>
-        <pc:picChg chg="add mod">
-          <ac:chgData name="cody myers" userId="a0af1f621f91f4af" providerId="LiveId" clId="{A9A20CDC-52DA-4182-A31E-A6C52A97EE9B}" dt="2020-08-04T03:09:47.714" v="658" actId="962"/>
-          <ac:picMkLst>
-            <pc:docMk/>
-            <pc:sldMk cId="3489574381" sldId="261"/>
-            <ac:picMk id="12" creationId="{3AF4DBAF-A262-44BF-8567-0820B2718949}"/>
-          </ac:picMkLst>
-        </pc:picChg>
-      </pc:sldChg>
-      <pc:sldChg chg="addSp delSp modSp new mod modClrScheme chgLayout">
-        <pc:chgData name="cody myers" userId="a0af1f621f91f4af" providerId="LiveId" clId="{A9A20CDC-52DA-4182-A31E-A6C52A97EE9B}" dt="2020-08-04T03:10:13.969" v="662" actId="962"/>
-        <pc:sldMkLst>
-          <pc:docMk/>
-          <pc:sldMk cId="810614311" sldId="262"/>
-        </pc:sldMkLst>
-        <pc:spChg chg="mod ord">
-          <ac:chgData name="cody myers" userId="a0af1f621f91f4af" providerId="LiveId" clId="{A9A20CDC-52DA-4182-A31E-A6C52A97EE9B}" dt="2020-08-04T03:09:55.920" v="659" actId="700"/>
-          <ac:spMkLst>
-            <pc:docMk/>
-            <pc:sldMk cId="810614311" sldId="262"/>
-            <ac:spMk id="2" creationId="{110BA669-69B9-4F2E-A0AB-C7D3B5E53E7E}"/>
-          </ac:spMkLst>
-        </pc:spChg>
-        <pc:spChg chg="del">
-          <ac:chgData name="cody myers" userId="a0af1f621f91f4af" providerId="LiveId" clId="{A9A20CDC-52DA-4182-A31E-A6C52A97EE9B}" dt="2020-08-04T02:33:58.606" v="85" actId="931"/>
-          <ac:spMkLst>
-            <pc:docMk/>
-            <pc:sldMk cId="810614311" sldId="262"/>
-            <ac:spMk id="3" creationId="{2B591BEB-9A89-486A-83A2-41C078F85F9E}"/>
-          </ac:spMkLst>
-        </pc:spChg>
-        <pc:spChg chg="add del mod ord">
-          <ac:chgData name="cody myers" userId="a0af1f621f91f4af" providerId="LiveId" clId="{A9A20CDC-52DA-4182-A31E-A6C52A97EE9B}" dt="2020-08-04T02:35:48.596" v="120"/>
-          <ac:spMkLst>
-            <pc:docMk/>
-            <pc:sldMk cId="810614311" sldId="262"/>
-            <ac:spMk id="6" creationId="{DF2CEB9A-B29D-4EC8-9B71-2485FFB8DF0D}"/>
-          </ac:spMkLst>
-        </pc:spChg>
-        <pc:spChg chg="add del mod ord">
-          <ac:chgData name="cody myers" userId="a0af1f621f91f4af" providerId="LiveId" clId="{A9A20CDC-52DA-4182-A31E-A6C52A97EE9B}" dt="2020-08-04T02:50:03.244" v="159" actId="700"/>
-          <ac:spMkLst>
-            <pc:docMk/>
-            <pc:sldMk cId="810614311" sldId="262"/>
-            <ac:spMk id="9" creationId="{6CF367F4-A633-4A67-9147-C10C7DECCCBA}"/>
-          </ac:spMkLst>
-        </pc:spChg>
-        <pc:spChg chg="add del mod ord">
-          <ac:chgData name="cody myers" userId="a0af1f621f91f4af" providerId="LiveId" clId="{A9A20CDC-52DA-4182-A31E-A6C52A97EE9B}" dt="2020-08-04T03:10:12.582" v="660" actId="931"/>
-          <ac:spMkLst>
-            <pc:docMk/>
-            <pc:sldMk cId="810614311" sldId="262"/>
-            <ac:spMk id="10" creationId="{BEDA26B2-3B6D-48D0-A759-01B5CCFC5981}"/>
-          </ac:spMkLst>
-        </pc:spChg>
-        <pc:picChg chg="add del mod ord">
-          <ac:chgData name="cody myers" userId="a0af1f621f91f4af" providerId="LiveId" clId="{A9A20CDC-52DA-4182-A31E-A6C52A97EE9B}" dt="2020-08-04T02:35:50.034" v="121" actId="478"/>
-          <ac:picMkLst>
-            <pc:docMk/>
-            <pc:sldMk cId="810614311" sldId="262"/>
-            <ac:picMk id="5" creationId="{EC1C735E-F44F-43CD-BAB2-FF9BBDC20189}"/>
-          </ac:picMkLst>
-        </pc:picChg>
-        <pc:picChg chg="add mod ord">
-          <ac:chgData name="cody myers" userId="a0af1f621f91f4af" providerId="LiveId" clId="{A9A20CDC-52DA-4182-A31E-A6C52A97EE9B}" dt="2020-08-04T03:09:55.920" v="659" actId="700"/>
-          <ac:picMkLst>
-            <pc:docMk/>
-            <pc:sldMk cId="810614311" sldId="262"/>
-            <ac:picMk id="7" creationId="{E015A873-6221-43EA-B601-7DE244E2A414}"/>
-          </ac:picMkLst>
-        </pc:picChg>
-        <pc:picChg chg="add mod">
-          <ac:chgData name="cody myers" userId="a0af1f621f91f4af" providerId="LiveId" clId="{A9A20CDC-52DA-4182-A31E-A6C52A97EE9B}" dt="2020-08-04T03:10:13.969" v="662" actId="962"/>
-          <ac:picMkLst>
-            <pc:docMk/>
-            <pc:sldMk cId="810614311" sldId="262"/>
-            <ac:picMk id="12" creationId="{6A59DB87-CB95-4416-876B-3DAF7E7DD6E3}"/>
-          </ac:picMkLst>
-        </pc:picChg>
-      </pc:sldChg>
-      <pc:sldChg chg="addSp delSp modSp new mod modClrScheme chgLayout">
-        <pc:chgData name="cody myers" userId="a0af1f621f91f4af" providerId="LiveId" clId="{A9A20CDC-52DA-4182-A31E-A6C52A97EE9B}" dt="2020-08-04T03:10:37.012" v="666" actId="962"/>
-        <pc:sldMkLst>
-          <pc:docMk/>
-          <pc:sldMk cId="1799603561" sldId="263"/>
-        </pc:sldMkLst>
-        <pc:spChg chg="mod ord">
-          <ac:chgData name="cody myers" userId="a0af1f621f91f4af" providerId="LiveId" clId="{A9A20CDC-52DA-4182-A31E-A6C52A97EE9B}" dt="2020-08-04T03:10:18.099" v="663" actId="700"/>
-          <ac:spMkLst>
-            <pc:docMk/>
-            <pc:sldMk cId="1799603561" sldId="263"/>
-            <ac:spMk id="2" creationId="{E6DC0EB4-2442-41D8-ABF1-0B4E0DAF9CAE}"/>
-          </ac:spMkLst>
-        </pc:spChg>
-        <pc:spChg chg="del">
-          <ac:chgData name="cody myers" userId="a0af1f621f91f4af" providerId="LiveId" clId="{A9A20CDC-52DA-4182-A31E-A6C52A97EE9B}" dt="2020-08-04T02:34:11.602" v="96" actId="931"/>
-          <ac:spMkLst>
-            <pc:docMk/>
-            <pc:sldMk cId="1799603561" sldId="263"/>
-            <ac:spMk id="3" creationId="{96B3DD48-4170-42C4-BCD1-A9F1272A17F5}"/>
-          </ac:spMkLst>
-        </pc:spChg>
-        <pc:spChg chg="add del mod ord">
-          <ac:chgData name="cody myers" userId="a0af1f621f91f4af" providerId="LiveId" clId="{A9A20CDC-52DA-4182-A31E-A6C52A97EE9B}" dt="2020-08-04T02:35:55.432" v="123"/>
-          <ac:spMkLst>
-            <pc:docMk/>
-            <pc:sldMk cId="1799603561" sldId="263"/>
-            <ac:spMk id="6" creationId="{893455C6-3537-4D8B-B54A-70BC2F11E5F1}"/>
-          </ac:spMkLst>
-        </pc:spChg>
-        <pc:spChg chg="add del mod ord">
-          <ac:chgData name="cody myers" userId="a0af1f621f91f4af" providerId="LiveId" clId="{A9A20CDC-52DA-4182-A31E-A6C52A97EE9B}" dt="2020-08-04T02:50:06.507" v="160" actId="700"/>
-          <ac:spMkLst>
-            <pc:docMk/>
-            <pc:sldMk cId="1799603561" sldId="263"/>
-            <ac:spMk id="9" creationId="{39A31C2B-190A-48F8-A6C1-D8C6A61B559E}"/>
-          </ac:spMkLst>
-        </pc:spChg>
-        <pc:spChg chg="add del mod ord">
-          <ac:chgData name="cody myers" userId="a0af1f621f91f4af" providerId="LiveId" clId="{A9A20CDC-52DA-4182-A31E-A6C52A97EE9B}" dt="2020-08-04T03:10:35.379" v="664" actId="931"/>
-          <ac:spMkLst>
-            <pc:docMk/>
-            <pc:sldMk cId="1799603561" sldId="263"/>
-            <ac:spMk id="10" creationId="{F801D3D8-1660-46E1-BED5-E7C3CBAA6382}"/>
-          </ac:spMkLst>
-        </pc:spChg>
-        <pc:picChg chg="add del mod ord">
-          <ac:chgData name="cody myers" userId="a0af1f621f91f4af" providerId="LiveId" clId="{A9A20CDC-52DA-4182-A31E-A6C52A97EE9B}" dt="2020-08-04T02:35:56.689" v="125" actId="478"/>
-          <ac:picMkLst>
-            <pc:docMk/>
-            <pc:sldMk cId="1799603561" sldId="263"/>
-            <ac:picMk id="5" creationId="{A9824EDA-58EA-40E4-B013-D0CCA88FC626}"/>
-          </ac:picMkLst>
-        </pc:picChg>
-        <pc:picChg chg="add mod ord">
-          <ac:chgData name="cody myers" userId="a0af1f621f91f4af" providerId="LiveId" clId="{A9A20CDC-52DA-4182-A31E-A6C52A97EE9B}" dt="2020-08-04T03:10:18.099" v="663" actId="700"/>
-          <ac:picMkLst>
-            <pc:docMk/>
-            <pc:sldMk cId="1799603561" sldId="263"/>
-            <ac:picMk id="7" creationId="{5D3A9F72-757B-44C2-A2C2-A36BC22D408F}"/>
-          </ac:picMkLst>
-        </pc:picChg>
-        <pc:picChg chg="add mod">
-          <ac:chgData name="cody myers" userId="a0af1f621f91f4af" providerId="LiveId" clId="{A9A20CDC-52DA-4182-A31E-A6C52A97EE9B}" dt="2020-08-04T03:10:37.012" v="666" actId="962"/>
-          <ac:picMkLst>
-            <pc:docMk/>
-            <pc:sldMk cId="1799603561" sldId="263"/>
-            <ac:picMk id="12" creationId="{B5DD5776-487E-4CF8-BF38-593E3B1E142E}"/>
-          </ac:picMkLst>
-        </pc:picChg>
-      </pc:sldChg>
-      <pc:sldChg chg="addSp delSp modSp new mod setBg">
-        <pc:chgData name="cody myers" userId="a0af1f621f91f4af" providerId="LiveId" clId="{A9A20CDC-52DA-4182-A31E-A6C52A97EE9B}" dt="2020-08-04T02:49:37.293" v="155" actId="26606"/>
-        <pc:sldMkLst>
-          <pc:docMk/>
-          <pc:sldMk cId="1990053546" sldId="264"/>
-        </pc:sldMkLst>
-        <pc:spChg chg="mod">
-          <ac:chgData name="cody myers" userId="a0af1f621f91f4af" providerId="LiveId" clId="{A9A20CDC-52DA-4182-A31E-A6C52A97EE9B}" dt="2020-08-04T02:49:37.293" v="155" actId="26606"/>
-          <ac:spMkLst>
-            <pc:docMk/>
-            <pc:sldMk cId="1990053546" sldId="264"/>
-            <ac:spMk id="2" creationId="{987CF910-1647-4935-9456-EFBFF869A621}"/>
-          </ac:spMkLst>
-        </pc:spChg>
-        <pc:spChg chg="del">
-          <ac:chgData name="cody myers" userId="a0af1f621f91f4af" providerId="LiveId" clId="{A9A20CDC-52DA-4182-A31E-A6C52A97EE9B}" dt="2020-08-04T02:47:55.445" v="151"/>
-          <ac:spMkLst>
-            <pc:docMk/>
-            <pc:sldMk cId="1990053546" sldId="264"/>
-            <ac:spMk id="3" creationId="{48100F5A-4992-4C52-9BE8-F6EB9194F220}"/>
-          </ac:spMkLst>
-        </pc:spChg>
-        <pc:spChg chg="add del mod">
-          <ac:chgData name="cody myers" userId="a0af1f621f91f4af" providerId="LiveId" clId="{A9A20CDC-52DA-4182-A31E-A6C52A97EE9B}" dt="2020-08-04T02:49:29.644" v="154"/>
-          <ac:spMkLst>
-            <pc:docMk/>
-            <pc:sldMk cId="1990053546" sldId="264"/>
-            <ac:spMk id="6" creationId="{77E33966-8B51-459A-AB63-FFB4E5EBA691}"/>
-          </ac:spMkLst>
-        </pc:spChg>
-        <pc:spChg chg="add">
-          <ac:chgData name="cody myers" userId="a0af1f621f91f4af" providerId="LiveId" clId="{A9A20CDC-52DA-4182-A31E-A6C52A97EE9B}" dt="2020-08-04T02:49:37.293" v="155" actId="26606"/>
-          <ac:spMkLst>
-            <pc:docMk/>
-            <pc:sldMk cId="1990053546" sldId="264"/>
-            <ac:spMk id="12" creationId="{576152AB-DB4E-43E1-BE8B-9E2B5DE4CA12}"/>
-          </ac:spMkLst>
-        </pc:spChg>
-        <pc:spChg chg="add">
-          <ac:chgData name="cody myers" userId="a0af1f621f91f4af" providerId="LiveId" clId="{A9A20CDC-52DA-4182-A31E-A6C52A97EE9B}" dt="2020-08-04T02:49:37.293" v="155" actId="26606"/>
-          <ac:spMkLst>
-            <pc:docMk/>
-            <pc:sldMk cId="1990053546" sldId="264"/>
-            <ac:spMk id="14" creationId="{92544CF4-9B52-4A7B-A4B3-88C72729B77D}"/>
-          </ac:spMkLst>
-        </pc:spChg>
-        <pc:spChg chg="add">
-          <ac:chgData name="cody myers" userId="a0af1f621f91f4af" providerId="LiveId" clId="{A9A20CDC-52DA-4182-A31E-A6C52A97EE9B}" dt="2020-08-04T02:49:37.293" v="155" actId="26606"/>
-          <ac:spMkLst>
-            <pc:docMk/>
-            <pc:sldMk cId="1990053546" sldId="264"/>
-            <ac:spMk id="16" creationId="{E75862C5-5C00-4421-BC7B-9B7B86DBC80D}"/>
-          </ac:spMkLst>
-        </pc:spChg>
-        <pc:spChg chg="add">
-          <ac:chgData name="cody myers" userId="a0af1f621f91f4af" providerId="LiveId" clId="{A9A20CDC-52DA-4182-A31E-A6C52A97EE9B}" dt="2020-08-04T02:49:37.293" v="155" actId="26606"/>
-          <ac:spMkLst>
-            <pc:docMk/>
-            <pc:sldMk cId="1990053546" sldId="264"/>
-            <ac:spMk id="18" creationId="{089440EF-9BE9-4AE9-8C28-00B02296CDB6}"/>
-          </ac:spMkLst>
-        </pc:spChg>
-        <pc:graphicFrameChg chg="add del mod modGraphic">
-          <ac:chgData name="cody myers" userId="a0af1f621f91f4af" providerId="LiveId" clId="{A9A20CDC-52DA-4182-A31E-A6C52A97EE9B}" dt="2020-08-04T02:49:27.568" v="153" actId="478"/>
-          <ac:graphicFrameMkLst>
-            <pc:docMk/>
-            <pc:sldMk cId="1990053546" sldId="264"/>
-            <ac:graphicFrameMk id="4" creationId="{5F9E89D4-4A17-433D-B3A5-5EFF6572CAE6}"/>
-          </ac:graphicFrameMkLst>
-        </pc:graphicFrameChg>
-        <pc:graphicFrameChg chg="add mod">
-          <ac:chgData name="cody myers" userId="a0af1f621f91f4af" providerId="LiveId" clId="{A9A20CDC-52DA-4182-A31E-A6C52A97EE9B}" dt="2020-08-04T02:49:37.293" v="155" actId="26606"/>
-          <ac:graphicFrameMkLst>
-            <pc:docMk/>
-            <pc:sldMk cId="1990053546" sldId="264"/>
-            <ac:graphicFrameMk id="7" creationId="{323AE88A-F43F-482D-8CFA-24DF356EBD8E}"/>
-          </ac:graphicFrameMkLst>
-        </pc:graphicFrameChg>
-      </pc:sldChg>
-      <pc:sldChg chg="addSp delSp modSp new mod modClrScheme chgLayout">
-        <pc:chgData name="cody myers" userId="a0af1f621f91f4af" providerId="LiveId" clId="{A9A20CDC-52DA-4182-A31E-A6C52A97EE9B}" dt="2020-08-04T03:11:16.115" v="673" actId="962"/>
-        <pc:sldMkLst>
-          <pc:docMk/>
-          <pc:sldMk cId="4033939688" sldId="265"/>
-        </pc:sldMkLst>
-        <pc:spChg chg="mod ord">
-          <ac:chgData name="cody myers" userId="a0af1f621f91f4af" providerId="LiveId" clId="{A9A20CDC-52DA-4182-A31E-A6C52A97EE9B}" dt="2020-08-04T03:08:21.325" v="640" actId="20577"/>
-          <ac:spMkLst>
-            <pc:docMk/>
-            <pc:sldMk cId="4033939688" sldId="265"/>
-            <ac:spMk id="2" creationId="{D776D066-7DC2-4B45-BF2F-1C4976EA19B3}"/>
-          </ac:spMkLst>
-        </pc:spChg>
-        <pc:spChg chg="del mod ord">
-          <ac:chgData name="cody myers" userId="a0af1f621f91f4af" providerId="LiveId" clId="{A9A20CDC-52DA-4182-A31E-A6C52A97EE9B}" dt="2020-08-04T02:49:47.089" v="156" actId="700"/>
-          <ac:spMkLst>
-            <pc:docMk/>
-            <pc:sldMk cId="4033939688" sldId="265"/>
-            <ac:spMk id="3" creationId="{2DC88C16-674B-4E1E-B1EE-B5299F51BF95}"/>
-          </ac:spMkLst>
-        </pc:spChg>
-        <pc:spChg chg="del">
-          <ac:chgData name="cody myers" userId="a0af1f621f91f4af" providerId="LiveId" clId="{A9A20CDC-52DA-4182-A31E-A6C52A97EE9B}" dt="2020-08-04T02:35:01.860" v="108"/>
-          <ac:spMkLst>
-            <pc:docMk/>
-            <pc:sldMk cId="4033939688" sldId="265"/>
-            <ac:spMk id="4" creationId="{F07A8880-7EC6-4E52-8646-86C8FE1B7193}"/>
-          </ac:spMkLst>
-        </pc:spChg>
-        <pc:spChg chg="add del mod ord">
-          <ac:chgData name="cody myers" userId="a0af1f621f91f4af" providerId="LiveId" clId="{A9A20CDC-52DA-4182-A31E-A6C52A97EE9B}" dt="2020-08-04T03:11:05.977" v="667" actId="931"/>
-          <ac:spMkLst>
-            <pc:docMk/>
-            <pc:sldMk cId="4033939688" sldId="265"/>
-            <ac:spMk id="6" creationId="{6DCFE744-D85D-49DD-AD9E-EAE689E32AE2}"/>
-          </ac:spMkLst>
-        </pc:spChg>
-        <pc:spChg chg="add del mod">
-          <ac:chgData name="cody myers" userId="a0af1f621f91f4af" providerId="LiveId" clId="{A9A20CDC-52DA-4182-A31E-A6C52A97EE9B}" dt="2020-08-04T03:11:14.540" v="671" actId="931"/>
-          <ac:spMkLst>
-            <pc:docMk/>
-            <pc:sldMk cId="4033939688" sldId="265"/>
-            <ac:spMk id="10" creationId="{20A798C8-4068-4D3D-84CE-BBA27F1BFC4E}"/>
-          </ac:spMkLst>
-        </pc:spChg>
-        <pc:picChg chg="add del mod ord">
-          <ac:chgData name="cody myers" userId="a0af1f621f91f4af" providerId="LiveId" clId="{A9A20CDC-52DA-4182-A31E-A6C52A97EE9B}" dt="2020-08-04T03:11:07.991" v="670" actId="478"/>
-          <ac:picMkLst>
-            <pc:docMk/>
-            <pc:sldMk cId="4033939688" sldId="265"/>
-            <ac:picMk id="5" creationId="{7B410C42-6A70-4DC9-8502-4E39C23F1C52}"/>
-          </ac:picMkLst>
-        </pc:picChg>
-        <pc:picChg chg="add mod">
-          <ac:chgData name="cody myers" userId="a0af1f621f91f4af" providerId="LiveId" clId="{A9A20CDC-52DA-4182-A31E-A6C52A97EE9B}" dt="2020-08-04T03:11:07.517" v="668" actId="27614"/>
-          <ac:picMkLst>
-            <pc:docMk/>
-            <pc:sldMk cId="4033939688" sldId="265"/>
-            <ac:picMk id="8" creationId="{F7F84871-A697-4E40-AD9C-CAF5C7966592}"/>
-          </ac:picMkLst>
-        </pc:picChg>
-        <pc:picChg chg="add mod">
-          <ac:chgData name="cody myers" userId="a0af1f621f91f4af" providerId="LiveId" clId="{A9A20CDC-52DA-4182-A31E-A6C52A97EE9B}" dt="2020-08-04T03:11:16.115" v="673" actId="962"/>
-          <ac:picMkLst>
-            <pc:docMk/>
-            <pc:sldMk cId="4033939688" sldId="265"/>
-            <ac:picMk id="12" creationId="{8170A96E-463F-4CED-9E3F-B6310F8B44D1}"/>
-          </ac:picMkLst>
-        </pc:picChg>
-      </pc:sldChg>
-      <pc:sldChg chg="modSp new mod">
-        <pc:chgData name="cody myers" userId="a0af1f621f91f4af" providerId="LiveId" clId="{A9A20CDC-52DA-4182-A31E-A6C52A97EE9B}" dt="2020-08-04T03:24:36.559" v="694" actId="20577"/>
-        <pc:sldMkLst>
-          <pc:docMk/>
-          <pc:sldMk cId="2503284111" sldId="266"/>
-        </pc:sldMkLst>
-        <pc:spChg chg="mod">
-          <ac:chgData name="cody myers" userId="a0af1f621f91f4af" providerId="LiveId" clId="{A9A20CDC-52DA-4182-A31E-A6C52A97EE9B}" dt="2020-08-04T03:24:36.559" v="694" actId="20577"/>
-          <ac:spMkLst>
-            <pc:docMk/>
-            <pc:sldMk cId="2503284111" sldId="266"/>
-            <ac:spMk id="2" creationId="{047C9E75-3B00-4192-A5E8-1E2CEB7685DF}"/>
-          </ac:spMkLst>
-        </pc:spChg>
-      </pc:sldChg>
-      <pc:sldChg chg="modSp new mod">
-        <pc:chgData name="cody myers" userId="a0af1f621f91f4af" providerId="LiveId" clId="{A9A20CDC-52DA-4182-A31E-A6C52A97EE9B}" dt="2020-08-04T02:59:21.948" v="626" actId="20577"/>
-        <pc:sldMkLst>
-          <pc:docMk/>
-          <pc:sldMk cId="2007097537" sldId="267"/>
-        </pc:sldMkLst>
-        <pc:spChg chg="mod">
-          <ac:chgData name="cody myers" userId="a0af1f621f91f4af" providerId="LiveId" clId="{A9A20CDC-52DA-4182-A31E-A6C52A97EE9B}" dt="2020-08-04T02:57:45.054" v="189" actId="20577"/>
-          <ac:spMkLst>
-            <pc:docMk/>
-            <pc:sldMk cId="2007097537" sldId="267"/>
-            <ac:spMk id="2" creationId="{8F164C06-4D7E-4BAE-90D2-146426EF4E45}"/>
-          </ac:spMkLst>
-        </pc:spChg>
-        <pc:spChg chg="mod">
-          <ac:chgData name="cody myers" userId="a0af1f621f91f4af" providerId="LiveId" clId="{A9A20CDC-52DA-4182-A31E-A6C52A97EE9B}" dt="2020-08-04T02:59:21.948" v="626" actId="20577"/>
-          <ac:spMkLst>
-            <pc:docMk/>
-            <pc:sldMk cId="2007097537" sldId="267"/>
-            <ac:spMk id="3" creationId="{43EF22B4-B009-47B6-84C2-9838A6329FFF}"/>
-          </ac:spMkLst>
-        </pc:spChg>
-      </pc:sldChg>
-    </pc:docChg>
-  </pc:docChgLst>
-</pc:chgInfo>
 </file>
 
 <file path=ppt/slideLayouts/slideLayout1.xml><?xml version="1.0" encoding="utf-8"?>
@@ -798,7 +289,7 @@
           <a:p>
             <a:fld id="{02AC24A9-CCB6-4F8D-B8DB-C2F3692CFA5A}" type="datetimeFigureOut">
               <a:rPr lang="en-US" smtClean="0"/>
-              <a:t>8/3/2020</a:t>
+              <a:t>8/4/2020</a:t>
             </a:fld>
             <a:endParaRPr lang="en-US" dirty="0"/>
           </a:p>
@@ -1168,7 +659,7 @@
           <a:p>
             <a:fld id="{02AC24A9-CCB6-4F8D-B8DB-C2F3692CFA5A}" type="datetimeFigureOut">
               <a:rPr lang="en-US" smtClean="0"/>
-              <a:t>8/3/2020</a:t>
+              <a:t>8/4/2020</a:t>
             </a:fld>
             <a:endParaRPr lang="en-US"/>
           </a:p>
@@ -1377,7 +868,7 @@
           <a:p>
             <a:fld id="{02AC24A9-CCB6-4F8D-B8DB-C2F3692CFA5A}" type="datetimeFigureOut">
               <a:rPr lang="en-US" smtClean="0"/>
-              <a:t>8/3/2020</a:t>
+              <a:t>8/4/2020</a:t>
             </a:fld>
             <a:endParaRPr lang="en-US"/>
           </a:p>
@@ -1847,7 +1338,7 @@
           <a:p>
             <a:fld id="{02AC24A9-CCB6-4F8D-B8DB-C2F3692CFA5A}" type="datetimeFigureOut">
               <a:rPr lang="en-US" smtClean="0"/>
-              <a:t>8/3/2020</a:t>
+              <a:t>8/4/2020</a:t>
             </a:fld>
             <a:endParaRPr lang="en-US"/>
           </a:p>
@@ -2301,7 +1792,7 @@
           <a:p>
             <a:fld id="{02AC24A9-CCB6-4F8D-B8DB-C2F3692CFA5A}" type="datetimeFigureOut">
               <a:rPr lang="en-US" smtClean="0"/>
-              <a:t>8/3/2020</a:t>
+              <a:t>8/4/2020</a:t>
             </a:fld>
             <a:endParaRPr lang="en-US"/>
           </a:p>
@@ -2833,7 +2324,7 @@
           <a:p>
             <a:fld id="{02AC24A9-CCB6-4F8D-B8DB-C2F3692CFA5A}" type="datetimeFigureOut">
               <a:rPr lang="en-US" smtClean="0"/>
-              <a:t>8/3/2020</a:t>
+              <a:t>8/4/2020</a:t>
             </a:fld>
             <a:endParaRPr lang="en-US"/>
           </a:p>
@@ -3532,7 +3023,7 @@
           <a:p>
             <a:fld id="{02AC24A9-CCB6-4F8D-B8DB-C2F3692CFA5A}" type="datetimeFigureOut">
               <a:rPr lang="en-US" smtClean="0"/>
-              <a:t>8/3/2020</a:t>
+              <a:t>8/4/2020</a:t>
             </a:fld>
             <a:endParaRPr lang="en-US"/>
           </a:p>
@@ -3861,7 +3352,7 @@
           <a:p>
             <a:fld id="{02AC24A9-CCB6-4F8D-B8DB-C2F3692CFA5A}" type="datetimeFigureOut">
               <a:rPr lang="en-US" smtClean="0"/>
-              <a:t>8/3/2020</a:t>
+              <a:t>8/4/2020</a:t>
             </a:fld>
             <a:endParaRPr lang="en-US"/>
           </a:p>
@@ -3974,7 +3465,7 @@
           <a:p>
             <a:fld id="{02AC24A9-CCB6-4F8D-B8DB-C2F3692CFA5A}" type="datetimeFigureOut">
               <a:rPr lang="en-US" smtClean="0"/>
-              <a:t>8/3/2020</a:t>
+              <a:t>8/4/2020</a:t>
             </a:fld>
             <a:endParaRPr lang="en-US"/>
           </a:p>
@@ -4469,7 +3960,7 @@
           <a:p>
             <a:fld id="{02AC24A9-CCB6-4F8D-B8DB-C2F3692CFA5A}" type="datetimeFigureOut">
               <a:rPr lang="en-US" smtClean="0"/>
-              <a:t>8/3/2020</a:t>
+              <a:t>8/4/2020</a:t>
             </a:fld>
             <a:endParaRPr lang="en-US" dirty="0"/>
           </a:p>
@@ -4946,7 +4437,7 @@
           <a:p>
             <a:fld id="{02AC24A9-CCB6-4F8D-B8DB-C2F3692CFA5A}" type="datetimeFigureOut">
               <a:rPr lang="en-US" smtClean="0"/>
-              <a:t>8/3/2020</a:t>
+              <a:t>8/4/2020</a:t>
             </a:fld>
             <a:endParaRPr lang="en-US"/>
           </a:p>
@@ -5189,7 +4680,7 @@
           <a:p>
             <a:fld id="{02AC24A9-CCB6-4F8D-B8DB-C2F3692CFA5A}" type="datetimeFigureOut">
               <a:rPr lang="en-US" smtClean="0"/>
-              <a:t>8/3/2020</a:t>
+              <a:t>8/4/2020</a:t>
             </a:fld>
             <a:endParaRPr lang="en-US"/>
           </a:p>
@@ -8412,10 +7903,10 @@
       </p:sp>
       <p:sp>
         <p:nvSpPr>
-          <p:cNvPr id="3" name="Content Placeholder 2">
-            <a:extLst>
-              <a:ext uri="{FF2B5EF4-FFF2-40B4-BE49-F238E27FC236}">
-                <a16:creationId xmlns:a16="http://schemas.microsoft.com/office/drawing/2014/main" id="{FF624EDF-2839-4DC9-A900-586CBF61CBA8}"/>
+          <p:cNvPr id="4" name="Content Placeholder 3">
+            <a:extLst>
+              <a:ext uri="{FF2B5EF4-FFF2-40B4-BE49-F238E27FC236}">
+                <a16:creationId xmlns:a16="http://schemas.microsoft.com/office/drawing/2014/main" id="{1C13777D-A8FB-4B2C-8BBE-8EE7D6D50C35}"/>
               </a:ext>
             </a:extLst>
           </p:cNvPr>
@@ -8423,22 +7914,603 @@
             <a:spLocks noGrp="1"/>
           </p:cNvSpPr>
           <p:nvPr>
-            <p:ph idx="1"/>
+            <p:ph sz="half" idx="1"/>
           </p:nvPr>
         </p:nvSpPr>
         <p:spPr/>
         <p:txBody>
-          <a:bodyPr/>
+          <a:bodyPr>
+            <a:normAutofit lnSpcReduction="10000"/>
+          </a:bodyPr>
           <a:lstStyle/>
           <a:p>
-            <a:endParaRPr lang="en-US"/>
-          </a:p>
-        </p:txBody>
-      </p:sp>
+            <a:r>
+              <a:rPr lang="en-US" dirty="0"/>
+              <a:t>By looking at our CDF plot on the right, we can tell that about 90% of the respondents have had less than 10 pregnancies at the time of the response. Most of that 90% has had less than 5 pregnancies.</a:t>
+            </a:r>
+          </a:p>
+        </p:txBody>
+      </p:sp>
+      <p:pic>
+        <p:nvPicPr>
+          <p:cNvPr id="11" name="Content Placeholder 10" descr="A screenshot of a cell phone&#10;&#10;Description automatically generated">
+            <a:extLst>
+              <a:ext uri="{FF2B5EF4-FFF2-40B4-BE49-F238E27FC236}">
+                <a16:creationId xmlns:a16="http://schemas.microsoft.com/office/drawing/2014/main" id="{EF863249-2281-4C9E-92D4-ECCE79D240D1}"/>
+              </a:ext>
+            </a:extLst>
+          </p:cNvPr>
+          <p:cNvPicPr>
+            <a:picLocks noGrp="1" noChangeAspect="1"/>
+          </p:cNvPicPr>
+          <p:nvPr>
+            <p:ph sz="half" idx="2"/>
+          </p:nvPr>
+        </p:nvPicPr>
+        <p:blipFill>
+          <a:blip r:embed="rId2">
+            <a:extLst>
+              <a:ext uri="{28A0092B-C50C-407E-A947-70E740481C1C}">
+                <a14:useLocalDpi xmlns:a14="http://schemas.microsoft.com/office/drawing/2010/main" val="0"/>
+              </a:ext>
+            </a:extLst>
+          </a:blip>
+          <a:stretch>
+            <a:fillRect/>
+          </a:stretch>
+        </p:blipFill>
+        <p:spPr>
+          <a:xfrm>
+            <a:off x="6345238" y="2591606"/>
+            <a:ext cx="4938712" cy="3467076"/>
+          </a:xfrm>
+        </p:spPr>
+      </p:pic>
     </p:spTree>
     <p:extLst>
       <p:ext uri="{BB962C8B-B14F-4D97-AF65-F5344CB8AC3E}">
         <p14:creationId xmlns:p14="http://schemas.microsoft.com/office/powerpoint/2010/main" val="2503284111"/>
+      </p:ext>
+    </p:extLst>
+  </p:cSld>
+  <p:clrMapOvr>
+    <a:masterClrMapping/>
+  </p:clrMapOvr>
+</p:sld>
+</file>
+
+<file path=ppt/slides/slide12.xml><?xml version="1.0" encoding="utf-8"?>
+<p:sld xmlns:a="http://schemas.openxmlformats.org/drawingml/2006/main" xmlns:r="http://schemas.openxmlformats.org/officeDocument/2006/relationships" xmlns:p="http://schemas.openxmlformats.org/presentationml/2006/main">
+  <p:cSld>
+    <p:spTree>
+      <p:nvGrpSpPr>
+        <p:cNvPr id="1" name=""/>
+        <p:cNvGrpSpPr/>
+        <p:nvPr/>
+      </p:nvGrpSpPr>
+      <p:grpSpPr>
+        <a:xfrm>
+          <a:off x="0" y="0"/>
+          <a:ext cx="0" cy="0"/>
+          <a:chOff x="0" y="0"/>
+          <a:chExt cx="0" cy="0"/>
+        </a:xfrm>
+      </p:grpSpPr>
+      <p:sp>
+        <p:nvSpPr>
+          <p:cNvPr id="2" name="Title 1">
+            <a:extLst>
+              <a:ext uri="{FF2B5EF4-FFF2-40B4-BE49-F238E27FC236}">
+                <a16:creationId xmlns:a16="http://schemas.microsoft.com/office/drawing/2014/main" id="{1FD1C4A5-54BA-4441-B604-85F10C6EA6BC}"/>
+              </a:ext>
+            </a:extLst>
+          </p:cNvPr>
+          <p:cNvSpPr>
+            <a:spLocks noGrp="1"/>
+          </p:cNvSpPr>
+          <p:nvPr>
+            <p:ph type="title"/>
+          </p:nvPr>
+        </p:nvSpPr>
+        <p:spPr/>
+        <p:txBody>
+          <a:bodyPr/>
+          <a:lstStyle/>
+          <a:p>
+            <a:r>
+              <a:rPr lang="en-US" dirty="0"/>
+              <a:t>Scatterplots – Religion v Pregnancy number</a:t>
+            </a:r>
+          </a:p>
+        </p:txBody>
+      </p:sp>
+      <p:pic>
+        <p:nvPicPr>
+          <p:cNvPr id="8" name="Content Placeholder 7" descr="A screenshot of a cell phone&#10;&#10;Description automatically generated">
+            <a:extLst>
+              <a:ext uri="{FF2B5EF4-FFF2-40B4-BE49-F238E27FC236}">
+                <a16:creationId xmlns:a16="http://schemas.microsoft.com/office/drawing/2014/main" id="{596E5353-CF77-41DB-83B3-DBA191A66F05}"/>
+              </a:ext>
+            </a:extLst>
+          </p:cNvPr>
+          <p:cNvPicPr>
+            <a:picLocks noGrp="1" noChangeAspect="1"/>
+          </p:cNvPicPr>
+          <p:nvPr>
+            <p:ph sz="half" idx="2"/>
+          </p:nvPr>
+        </p:nvPicPr>
+        <p:blipFill>
+          <a:blip r:embed="rId2">
+            <a:extLst>
+              <a:ext uri="{28A0092B-C50C-407E-A947-70E740481C1C}">
+                <a14:useLocalDpi xmlns:a14="http://schemas.microsoft.com/office/drawing/2010/main" val="0"/>
+              </a:ext>
+            </a:extLst>
+          </a:blip>
+          <a:stretch>
+            <a:fillRect/>
+          </a:stretch>
+        </p:blipFill>
+        <p:spPr>
+          <a:xfrm>
+            <a:off x="6314241" y="2580469"/>
+            <a:ext cx="4938712" cy="3728892"/>
+          </a:xfrm>
+        </p:spPr>
+      </p:pic>
+      <p:sp>
+        <p:nvSpPr>
+          <p:cNvPr id="10" name="Content Placeholder 9">
+            <a:extLst>
+              <a:ext uri="{FF2B5EF4-FFF2-40B4-BE49-F238E27FC236}">
+                <a16:creationId xmlns:a16="http://schemas.microsoft.com/office/drawing/2014/main" id="{3056BEB1-1AD0-4A25-B1A0-ADFD68B59056}"/>
+              </a:ext>
+            </a:extLst>
+          </p:cNvPr>
+          <p:cNvSpPr>
+            <a:spLocks noGrp="1"/>
+          </p:cNvSpPr>
+          <p:nvPr>
+            <p:ph sz="half" idx="1"/>
+          </p:nvPr>
+        </p:nvSpPr>
+        <p:spPr/>
+        <p:txBody>
+          <a:bodyPr>
+            <a:normAutofit lnSpcReduction="10000"/>
+          </a:bodyPr>
+          <a:lstStyle/>
+          <a:p>
+            <a:r>
+              <a:rPr lang="en-US" dirty="0"/>
+              <a:t>Upon looking at the distribution of this plot, it doesn’t seem like there is much of a correlation between a respondents religious views and the number of pregnancies they have. </a:t>
+            </a:r>
+          </a:p>
+          <a:p>
+            <a:endParaRPr lang="en-US" dirty="0"/>
+          </a:p>
+        </p:txBody>
+      </p:sp>
+      <p:graphicFrame>
+        <p:nvGraphicFramePr>
+          <p:cNvPr id="11" name="Table 11">
+            <a:extLst>
+              <a:ext uri="{FF2B5EF4-FFF2-40B4-BE49-F238E27FC236}">
+                <a16:creationId xmlns:a16="http://schemas.microsoft.com/office/drawing/2014/main" id="{254A5B83-41E0-4EB1-BC7B-D9A4E3D5DF13}"/>
+              </a:ext>
+            </a:extLst>
+          </p:cNvPr>
+          <p:cNvGraphicFramePr>
+            <a:graphicFrameLocks noGrp="1"/>
+          </p:cNvGraphicFramePr>
+          <p:nvPr>
+            <p:extLst>
+              <p:ext uri="{D42A27DB-BD31-4B8C-83A1-F6EECF244321}">
+                <p14:modId xmlns:p14="http://schemas.microsoft.com/office/powerpoint/2010/main" val="2624921605"/>
+              </p:ext>
+            </p:extLst>
+          </p:nvPr>
+        </p:nvGraphicFramePr>
+        <p:xfrm>
+          <a:off x="9801210" y="2969657"/>
+          <a:ext cx="1633350" cy="918686"/>
+        </p:xfrm>
+        <a:graphic>
+          <a:graphicData uri="http://schemas.openxmlformats.org/drawingml/2006/table">
+            <a:tbl>
+              <a:tblPr firstRow="1" bandRow="1">
+                <a:tableStyleId>{5C22544A-7EE6-4342-B048-85BDC9FD1C3A}</a:tableStyleId>
+              </a:tblPr>
+              <a:tblGrid>
+                <a:gridCol w="816675">
+                  <a:extLst>
+                    <a:ext uri="{9D8B030D-6E8A-4147-A177-3AD203B41FA5}">
+                      <a16:colId xmlns:a16="http://schemas.microsoft.com/office/drawing/2014/main" val="3689431851"/>
+                    </a:ext>
+                  </a:extLst>
+                </a:gridCol>
+                <a:gridCol w="816675">
+                  <a:extLst>
+                    <a:ext uri="{9D8B030D-6E8A-4147-A177-3AD203B41FA5}">
+                      <a16:colId xmlns:a16="http://schemas.microsoft.com/office/drawing/2014/main" val="2432028699"/>
+                    </a:ext>
+                  </a:extLst>
+                </a:gridCol>
+              </a:tblGrid>
+              <a:tr h="261223">
+                <a:tc>
+                  <a:txBody>
+                    <a:bodyPr/>
+                    <a:lstStyle/>
+                    <a:p>
+                      <a:r>
+                        <a:rPr lang="en-US" sz="1000" dirty="0"/>
+                        <a:t>1</a:t>
+                      </a:r>
+                    </a:p>
+                  </a:txBody>
+                  <a:tcPr/>
+                </a:tc>
+                <a:tc>
+                  <a:txBody>
+                    <a:bodyPr/>
+                    <a:lstStyle/>
+                    <a:p>
+                      <a:r>
+                        <a:rPr lang="en-US" sz="1000" dirty="0"/>
+                        <a:t>No Religion</a:t>
+                      </a:r>
+                    </a:p>
+                  </a:txBody>
+                  <a:tcPr/>
+                </a:tc>
+                <a:extLst>
+                  <a:ext uri="{0D108BD9-81ED-4DB2-BD59-A6C34878D82A}">
+                    <a16:rowId xmlns:a16="http://schemas.microsoft.com/office/drawing/2014/main" val="2185954443"/>
+                  </a:ext>
+                </a:extLst>
+              </a:tr>
+              <a:tr h="261223">
+                <a:tc>
+                  <a:txBody>
+                    <a:bodyPr/>
+                    <a:lstStyle/>
+                    <a:p>
+                      <a:r>
+                        <a:rPr lang="en-US" sz="1000" dirty="0"/>
+                        <a:t>2</a:t>
+                      </a:r>
+                    </a:p>
+                  </a:txBody>
+                  <a:tcPr/>
+                </a:tc>
+                <a:tc>
+                  <a:txBody>
+                    <a:bodyPr/>
+                    <a:lstStyle/>
+                    <a:p>
+                      <a:r>
+                        <a:rPr lang="en-US" sz="1000" dirty="0"/>
+                        <a:t>Catholic</a:t>
+                      </a:r>
+                    </a:p>
+                  </a:txBody>
+                  <a:tcPr/>
+                </a:tc>
+                <a:extLst>
+                  <a:ext uri="{0D108BD9-81ED-4DB2-BD59-A6C34878D82A}">
+                    <a16:rowId xmlns:a16="http://schemas.microsoft.com/office/drawing/2014/main" val="166554185"/>
+                  </a:ext>
+                </a:extLst>
+              </a:tr>
+              <a:tr h="261223">
+                <a:tc>
+                  <a:txBody>
+                    <a:bodyPr/>
+                    <a:lstStyle/>
+                    <a:p>
+                      <a:r>
+                        <a:rPr lang="en-US" sz="1000" dirty="0"/>
+                        <a:t>3</a:t>
+                      </a:r>
+                    </a:p>
+                  </a:txBody>
+                  <a:tcPr/>
+                </a:tc>
+                <a:tc>
+                  <a:txBody>
+                    <a:bodyPr/>
+                    <a:lstStyle/>
+                    <a:p>
+                      <a:r>
+                        <a:rPr lang="en-US" sz="1000" dirty="0"/>
+                        <a:t>Other</a:t>
+                      </a:r>
+                    </a:p>
+                  </a:txBody>
+                  <a:tcPr/>
+                </a:tc>
+                <a:extLst>
+                  <a:ext uri="{0D108BD9-81ED-4DB2-BD59-A6C34878D82A}">
+                    <a16:rowId xmlns:a16="http://schemas.microsoft.com/office/drawing/2014/main" val="2040487352"/>
+                  </a:ext>
+                </a:extLst>
+              </a:tr>
+            </a:tbl>
+          </a:graphicData>
+        </a:graphic>
+      </p:graphicFrame>
+    </p:spTree>
+    <p:extLst>
+      <p:ext uri="{BB962C8B-B14F-4D97-AF65-F5344CB8AC3E}">
+        <p14:creationId xmlns:p14="http://schemas.microsoft.com/office/powerpoint/2010/main" val="3695489652"/>
+      </p:ext>
+    </p:extLst>
+  </p:cSld>
+  <p:clrMapOvr>
+    <a:masterClrMapping/>
+  </p:clrMapOvr>
+</p:sld>
+</file>
+
+<file path=ppt/slides/slide13.xml><?xml version="1.0" encoding="utf-8"?>
+<p:sld xmlns:a="http://schemas.openxmlformats.org/drawingml/2006/main" xmlns:r="http://schemas.openxmlformats.org/officeDocument/2006/relationships" xmlns:p="http://schemas.openxmlformats.org/presentationml/2006/main">
+  <p:cSld>
+    <p:spTree>
+      <p:nvGrpSpPr>
+        <p:cNvPr id="1" name=""/>
+        <p:cNvGrpSpPr/>
+        <p:nvPr/>
+      </p:nvGrpSpPr>
+      <p:grpSpPr>
+        <a:xfrm>
+          <a:off x="0" y="0"/>
+          <a:ext cx="0" cy="0"/>
+          <a:chOff x="0" y="0"/>
+          <a:chExt cx="0" cy="0"/>
+        </a:xfrm>
+      </p:grpSpPr>
+      <p:sp>
+        <p:nvSpPr>
+          <p:cNvPr id="2" name="Title 1">
+            <a:extLst>
+              <a:ext uri="{FF2B5EF4-FFF2-40B4-BE49-F238E27FC236}">
+                <a16:creationId xmlns:a16="http://schemas.microsoft.com/office/drawing/2014/main" id="{E450A43D-26E6-4F64-830E-759AE1E3CD32}"/>
+              </a:ext>
+            </a:extLst>
+          </p:cNvPr>
+          <p:cNvSpPr>
+            <a:spLocks noGrp="1"/>
+          </p:cNvSpPr>
+          <p:nvPr>
+            <p:ph type="title"/>
+          </p:nvPr>
+        </p:nvSpPr>
+        <p:spPr/>
+        <p:txBody>
+          <a:bodyPr/>
+          <a:lstStyle/>
+          <a:p>
+            <a:r>
+              <a:rPr lang="en-US" dirty="0"/>
+              <a:t>Scatterplots (</a:t>
+            </a:r>
+            <a:r>
+              <a:rPr lang="en-US" dirty="0" err="1"/>
+              <a:t>pt</a:t>
+            </a:r>
+            <a:r>
+              <a:rPr lang="en-US" dirty="0"/>
+              <a:t> 2)</a:t>
+            </a:r>
+          </a:p>
+        </p:txBody>
+      </p:sp>
+      <p:sp>
+        <p:nvSpPr>
+          <p:cNvPr id="3" name="Content Placeholder 2">
+            <a:extLst>
+              <a:ext uri="{FF2B5EF4-FFF2-40B4-BE49-F238E27FC236}">
+                <a16:creationId xmlns:a16="http://schemas.microsoft.com/office/drawing/2014/main" id="{1BCAE7A4-6211-473D-81F4-F906ADC007C4}"/>
+              </a:ext>
+            </a:extLst>
+          </p:cNvPr>
+          <p:cNvSpPr>
+            <a:spLocks noGrp="1"/>
+          </p:cNvSpPr>
+          <p:nvPr>
+            <p:ph sz="half" idx="1"/>
+          </p:nvPr>
+        </p:nvSpPr>
+        <p:spPr/>
+        <p:txBody>
+          <a:bodyPr>
+            <a:normAutofit fontScale="62500" lnSpcReduction="20000"/>
+          </a:bodyPr>
+          <a:lstStyle/>
+          <a:p>
+            <a:r>
+              <a:rPr lang="en-US" dirty="0"/>
+              <a:t>By looking at the scatterplot here, we see that there is a connection between one’s number of years in education and the percentage above or at poverty that the respondent currently brings in every year. We can also say that the relationship between the two variables is a positive one, but there is a disconnect at the upper bounds of the poverty percentage. It seems as though there is an almost even distribution between years of education and wealth at the highest end of the wealth boundary.</a:t>
+            </a:r>
+          </a:p>
+        </p:txBody>
+      </p:sp>
+      <p:pic>
+        <p:nvPicPr>
+          <p:cNvPr id="6" name="Content Placeholder 5" descr="A screenshot of a cell phone&#10;&#10;Description automatically generated">
+            <a:extLst>
+              <a:ext uri="{FF2B5EF4-FFF2-40B4-BE49-F238E27FC236}">
+                <a16:creationId xmlns:a16="http://schemas.microsoft.com/office/drawing/2014/main" id="{69EE7D56-35ED-4B8C-BD8D-953A338E1A29}"/>
+              </a:ext>
+            </a:extLst>
+          </p:cNvPr>
+          <p:cNvPicPr>
+            <a:picLocks noGrp="1" noChangeAspect="1"/>
+          </p:cNvPicPr>
+          <p:nvPr>
+            <p:ph sz="half" idx="2"/>
+          </p:nvPr>
+        </p:nvPicPr>
+        <p:blipFill>
+          <a:blip r:embed="rId2">
+            <a:extLst>
+              <a:ext uri="{28A0092B-C50C-407E-A947-70E740481C1C}">
+                <a14:useLocalDpi xmlns:a14="http://schemas.microsoft.com/office/drawing/2010/main" val="0"/>
+              </a:ext>
+            </a:extLst>
+          </a:blip>
+          <a:stretch>
+            <a:fillRect/>
+          </a:stretch>
+        </p:blipFill>
+        <p:spPr>
+          <a:xfrm>
+            <a:off x="6345238" y="2658928"/>
+            <a:ext cx="4938712" cy="3332432"/>
+          </a:xfrm>
+        </p:spPr>
+      </p:pic>
+    </p:spTree>
+    <p:extLst>
+      <p:ext uri="{BB962C8B-B14F-4D97-AF65-F5344CB8AC3E}">
+        <p14:creationId xmlns:p14="http://schemas.microsoft.com/office/powerpoint/2010/main" val="2974553004"/>
+      </p:ext>
+    </p:extLst>
+  </p:cSld>
+  <p:clrMapOvr>
+    <a:masterClrMapping/>
+  </p:clrMapOvr>
+</p:sld>
+</file>
+
+<file path=ppt/slides/slide14.xml><?xml version="1.0" encoding="utf-8"?>
+<p:sld xmlns:a="http://schemas.openxmlformats.org/drawingml/2006/main" xmlns:r="http://schemas.openxmlformats.org/officeDocument/2006/relationships" xmlns:p="http://schemas.openxmlformats.org/presentationml/2006/main">
+  <p:cSld>
+    <p:spTree>
+      <p:nvGrpSpPr>
+        <p:cNvPr id="1" name=""/>
+        <p:cNvGrpSpPr/>
+        <p:nvPr/>
+      </p:nvGrpSpPr>
+      <p:grpSpPr>
+        <a:xfrm>
+          <a:off x="0" y="0"/>
+          <a:ext cx="0" cy="0"/>
+          <a:chOff x="0" y="0"/>
+          <a:chExt cx="0" cy="0"/>
+        </a:xfrm>
+      </p:grpSpPr>
+      <p:sp>
+        <p:nvSpPr>
+          <p:cNvPr id="2" name="Title 1">
+            <a:extLst>
+              <a:ext uri="{FF2B5EF4-FFF2-40B4-BE49-F238E27FC236}">
+                <a16:creationId xmlns:a16="http://schemas.microsoft.com/office/drawing/2014/main" id="{AF3EC231-FC09-4CAC-A83F-BDFD16720690}"/>
+              </a:ext>
+            </a:extLst>
+          </p:cNvPr>
+          <p:cNvSpPr>
+            <a:spLocks noGrp="1"/>
+          </p:cNvSpPr>
+          <p:nvPr>
+            <p:ph type="title"/>
+          </p:nvPr>
+        </p:nvSpPr>
+        <p:spPr/>
+        <p:txBody>
+          <a:bodyPr/>
+          <a:lstStyle/>
+          <a:p>
+            <a:r>
+              <a:rPr lang="en-US" dirty="0"/>
+              <a:t>Hypothesis and regression</a:t>
+            </a:r>
+          </a:p>
+        </p:txBody>
+      </p:sp>
+      <p:sp>
+        <p:nvSpPr>
+          <p:cNvPr id="3" name="Content Placeholder 2">
+            <a:extLst>
+              <a:ext uri="{FF2B5EF4-FFF2-40B4-BE49-F238E27FC236}">
+                <a16:creationId xmlns:a16="http://schemas.microsoft.com/office/drawing/2014/main" id="{E72CA120-4BDC-4C61-9830-3F5AF04B61EB}"/>
+              </a:ext>
+            </a:extLst>
+          </p:cNvPr>
+          <p:cNvSpPr>
+            <a:spLocks noGrp="1"/>
+          </p:cNvSpPr>
+          <p:nvPr>
+            <p:ph sz="half" idx="1"/>
+          </p:nvPr>
+        </p:nvSpPr>
+        <p:spPr/>
+        <p:txBody>
+          <a:bodyPr>
+            <a:normAutofit fontScale="55000" lnSpcReduction="20000"/>
+          </a:bodyPr>
+          <a:lstStyle/>
+          <a:p>
+            <a:r>
+              <a:rPr lang="en-US" dirty="0"/>
+              <a:t>From our plot to the right, one can deduce that my hypothesis is correct. We see that the best fit curve is a straight line with a positive relationship between the two variables. </a:t>
+            </a:r>
+          </a:p>
+          <a:p>
+            <a:r>
+              <a:rPr lang="en-US" dirty="0"/>
+              <a:t>We can note though that as I predicted, there is not a strong positive relationship. From the best fit line alone, it is not a clear indicator to say if there is an even distribution of wealth based upon one’s investment in their education.</a:t>
+            </a:r>
+          </a:p>
+          <a:p>
+            <a:r>
+              <a:rPr lang="en-US" dirty="0"/>
+              <a:t>One aspect of this distribution that we can see is that there is a correlation between having an extreme number of years of formal education (16+) and not having a yearly income in the bottom 25% of respondents. </a:t>
+            </a:r>
+          </a:p>
+        </p:txBody>
+      </p:sp>
+      <p:pic>
+        <p:nvPicPr>
+          <p:cNvPr id="10" name="Content Placeholder 9" descr="A screenshot of a computer&#10;&#10;Description automatically generated">
+            <a:extLst>
+              <a:ext uri="{FF2B5EF4-FFF2-40B4-BE49-F238E27FC236}">
+                <a16:creationId xmlns:a16="http://schemas.microsoft.com/office/drawing/2014/main" id="{67C05F65-7AF8-4414-83AB-9AAEBF556D08}"/>
+              </a:ext>
+            </a:extLst>
+          </p:cNvPr>
+          <p:cNvPicPr>
+            <a:picLocks noGrp="1" noChangeAspect="1"/>
+          </p:cNvPicPr>
+          <p:nvPr>
+            <p:ph sz="half" idx="2"/>
+          </p:nvPr>
+        </p:nvPicPr>
+        <p:blipFill>
+          <a:blip r:embed="rId2">
+            <a:extLst>
+              <a:ext uri="{28A0092B-C50C-407E-A947-70E740481C1C}">
+                <a14:useLocalDpi xmlns:a14="http://schemas.microsoft.com/office/drawing/2010/main" val="0"/>
+              </a:ext>
+            </a:extLst>
+          </a:blip>
+          <a:stretch>
+            <a:fillRect/>
+          </a:stretch>
+        </p:blipFill>
+        <p:spPr>
+          <a:xfrm>
+            <a:off x="6388341" y="2559441"/>
+            <a:ext cx="4852506" cy="3531405"/>
+          </a:xfrm>
+        </p:spPr>
+      </p:pic>
+    </p:spTree>
+    <p:extLst>
+      <p:ext uri="{BB962C8B-B14F-4D97-AF65-F5344CB8AC3E}">
+        <p14:creationId xmlns:p14="http://schemas.microsoft.com/office/powerpoint/2010/main" val="805984319"/>
       </p:ext>
     </p:extLst>
   </p:cSld>
